--- a/features/steps/test_files/txt-textframe-props.pptx
+++ b/features/steps/test_files/txt-textframe-props.pptx
@@ -503,7 +503,7 @@
         </p:style>
         <p:txBody>
           <a:bodyPr rtlCol="0" anchor="ctr">
-            <a:noAutoFit/>
+            <a:noAutofit/>
           </a:bodyPr>
           <a:lstStyle/>
           <a:p>
